--- a/stuffs/Bingoptik_v2/Bingoptik_v2_doc.pptx
+++ b/stuffs/Bingoptik_v2/Bingoptik_v2_doc.pptx
@@ -201,7 +201,7 @@
           <a:p>
             <a:fld id="{A63A71F6-3B49-4358-957E-A92BEFE4DD94}" type="datetimeFigureOut">
               <a:rPr lang="fr-FR" smtClean="0"/>
-              <a:t>26/05/2025</a:t>
+              <a:t>04/06/2025</a:t>
             </a:fld>
             <a:endParaRPr lang="fr-FR"/>
           </a:p>
@@ -1326,7 +1326,7 @@
           <a:p>
             <a:fld id="{9F9D7BD0-09ED-4241-9B50-84DC221E5746}" type="datetimeFigureOut">
               <a:rPr lang="fr-FR" smtClean="0"/>
-              <a:t>26/05/2025</a:t>
+              <a:t>04/06/2025</a:t>
             </a:fld>
             <a:endParaRPr lang="fr-FR"/>
           </a:p>
@@ -1524,7 +1524,7 @@
           <a:p>
             <a:fld id="{9F9D7BD0-09ED-4241-9B50-84DC221E5746}" type="datetimeFigureOut">
               <a:rPr lang="fr-FR" smtClean="0"/>
-              <a:t>26/05/2025</a:t>
+              <a:t>04/06/2025</a:t>
             </a:fld>
             <a:endParaRPr lang="fr-FR"/>
           </a:p>
@@ -1732,7 +1732,7 @@
           <a:p>
             <a:fld id="{9F9D7BD0-09ED-4241-9B50-84DC221E5746}" type="datetimeFigureOut">
               <a:rPr lang="fr-FR" smtClean="0"/>
-              <a:t>26/05/2025</a:t>
+              <a:t>04/06/2025</a:t>
             </a:fld>
             <a:endParaRPr lang="fr-FR"/>
           </a:p>
@@ -1930,7 +1930,7 @@
           <a:p>
             <a:fld id="{9F9D7BD0-09ED-4241-9B50-84DC221E5746}" type="datetimeFigureOut">
               <a:rPr lang="fr-FR" smtClean="0"/>
-              <a:t>26/05/2025</a:t>
+              <a:t>04/06/2025</a:t>
             </a:fld>
             <a:endParaRPr lang="fr-FR"/>
           </a:p>
@@ -2205,7 +2205,7 @@
           <a:p>
             <a:fld id="{9F9D7BD0-09ED-4241-9B50-84DC221E5746}" type="datetimeFigureOut">
               <a:rPr lang="fr-FR" smtClean="0"/>
-              <a:t>26/05/2025</a:t>
+              <a:t>04/06/2025</a:t>
             </a:fld>
             <a:endParaRPr lang="fr-FR"/>
           </a:p>
@@ -2470,7 +2470,7 @@
           <a:p>
             <a:fld id="{9F9D7BD0-09ED-4241-9B50-84DC221E5746}" type="datetimeFigureOut">
               <a:rPr lang="fr-FR" smtClean="0"/>
-              <a:t>26/05/2025</a:t>
+              <a:t>04/06/2025</a:t>
             </a:fld>
             <a:endParaRPr lang="fr-FR"/>
           </a:p>
@@ -2882,7 +2882,7 @@
           <a:p>
             <a:fld id="{9F9D7BD0-09ED-4241-9B50-84DC221E5746}" type="datetimeFigureOut">
               <a:rPr lang="fr-FR" smtClean="0"/>
-              <a:t>26/05/2025</a:t>
+              <a:t>04/06/2025</a:t>
             </a:fld>
             <a:endParaRPr lang="fr-FR"/>
           </a:p>
@@ -3023,7 +3023,7 @@
           <a:p>
             <a:fld id="{9F9D7BD0-09ED-4241-9B50-84DC221E5746}" type="datetimeFigureOut">
               <a:rPr lang="fr-FR" smtClean="0"/>
-              <a:t>26/05/2025</a:t>
+              <a:t>04/06/2025</a:t>
             </a:fld>
             <a:endParaRPr lang="fr-FR"/>
           </a:p>
@@ -3136,7 +3136,7 @@
           <a:p>
             <a:fld id="{9F9D7BD0-09ED-4241-9B50-84DC221E5746}" type="datetimeFigureOut">
               <a:rPr lang="fr-FR" smtClean="0"/>
-              <a:t>26/05/2025</a:t>
+              <a:t>04/06/2025</a:t>
             </a:fld>
             <a:endParaRPr lang="fr-FR"/>
           </a:p>
@@ -3447,7 +3447,7 @@
           <a:p>
             <a:fld id="{9F9D7BD0-09ED-4241-9B50-84DC221E5746}" type="datetimeFigureOut">
               <a:rPr lang="fr-FR" smtClean="0"/>
-              <a:t>26/05/2025</a:t>
+              <a:t>04/06/2025</a:t>
             </a:fld>
             <a:endParaRPr lang="fr-FR"/>
           </a:p>
@@ -3735,7 +3735,7 @@
           <a:p>
             <a:fld id="{9F9D7BD0-09ED-4241-9B50-84DC221E5746}" type="datetimeFigureOut">
               <a:rPr lang="fr-FR" smtClean="0"/>
-              <a:t>26/05/2025</a:t>
+              <a:t>04/06/2025</a:t>
             </a:fld>
             <a:endParaRPr lang="fr-FR"/>
           </a:p>
@@ -3976,7 +3976,7 @@
           <a:p>
             <a:fld id="{9F9D7BD0-09ED-4241-9B50-84DC221E5746}" type="datetimeFigureOut">
               <a:rPr lang="fr-FR" smtClean="0"/>
-              <a:t>26/05/2025</a:t>
+              <a:t>04/06/2025</a:t>
             </a:fld>
             <a:endParaRPr lang="fr-FR"/>
           </a:p>
@@ -6203,12 +6203,60 @@
               <a:buChar char="-"/>
             </a:pPr>
             <a:r>
-              <a:rPr lang="fr-FR" sz="1200" b="1" dirty="0"/>
-              <a:t>7 couleurs </a:t>
-            </a:r>
-            <a:r>
               <a:rPr lang="fr-FR" sz="1200" dirty="0"/>
-              <a:t>(6 catégories de questions) : Bleu, Rose, Jaune, Violet, Vert, Orange, Blanc (joker)</a:t>
+              <a:t>LCD qui affiche un numéro à la fin (voir pour animation ??)</a:t>
+            </a:r>
+          </a:p>
+          <a:p>
+            <a:endParaRPr lang="fr-FR" sz="1200" dirty="0"/>
+          </a:p>
+        </p:txBody>
+      </p:sp>
+      <p:sp>
+        <p:nvSpPr>
+          <p:cNvPr id="8" name="Rectangle : coins arrondis 7">
+            <a:extLst>
+              <a:ext uri="{FF2B5EF4-FFF2-40B4-BE49-F238E27FC236}">
+                <a16:creationId xmlns:a16="http://schemas.microsoft.com/office/drawing/2014/main" id="{5A01D08D-8281-8FA8-33D6-1670E3926F65}"/>
+              </a:ext>
+            </a:extLst>
+          </p:cNvPr>
+          <p:cNvSpPr/>
+          <p:nvPr/>
+        </p:nvSpPr>
+        <p:spPr>
+          <a:xfrm>
+            <a:off x="3118104" y="3815031"/>
+            <a:ext cx="1119274" cy="662455"/>
+          </a:xfrm>
+          <a:prstGeom prst="roundRect">
+            <a:avLst/>
+          </a:prstGeom>
+        </p:spPr>
+        <p:style>
+          <a:lnRef idx="2">
+            <a:schemeClr val="accent1">
+              <a:shade val="15000"/>
+            </a:schemeClr>
+          </a:lnRef>
+          <a:fillRef idx="1">
+            <a:schemeClr val="accent1"/>
+          </a:fillRef>
+          <a:effectRef idx="0">
+            <a:schemeClr val="accent1"/>
+          </a:effectRef>
+          <a:fontRef idx="minor">
+            <a:schemeClr val="lt1"/>
+          </a:fontRef>
+        </p:style>
+        <p:txBody>
+          <a:bodyPr rtlCol="0" anchor="ctr"/>
+          <a:lstStyle/>
+          <a:p>
+            <a:pPr algn="ctr"/>
+            <a:r>
+              <a:rPr lang="fr-FR" dirty="0"/>
+              <a:t>LCD</a:t>
             </a:r>
           </a:p>
         </p:txBody>
@@ -10805,6 +10853,58 @@
             <a:endParaRPr lang="fr-FR" sz="1200" b="0" strike="noStrike" spc="-1" dirty="0">
               <a:latin typeface="Arial"/>
             </a:endParaRPr>
+          </a:p>
+        </p:txBody>
+      </p:sp>
+      <p:sp>
+        <p:nvSpPr>
+          <p:cNvPr id="5" name="Triangle isocèle 4">
+            <a:extLst>
+              <a:ext uri="{FF2B5EF4-FFF2-40B4-BE49-F238E27FC236}">
+                <a16:creationId xmlns:a16="http://schemas.microsoft.com/office/drawing/2014/main" id="{C0B9B496-68FB-AF42-D6AA-F082E930679A}"/>
+              </a:ext>
+            </a:extLst>
+          </p:cNvPr>
+          <p:cNvSpPr/>
+          <p:nvPr/>
+        </p:nvSpPr>
+        <p:spPr>
+          <a:xfrm>
+            <a:off x="229700" y="3076475"/>
+            <a:ext cx="2825447" cy="1566265"/>
+          </a:xfrm>
+          <a:prstGeom prst="triangle">
+            <a:avLst/>
+          </a:prstGeom>
+          <a:solidFill>
+            <a:srgbClr val="FF0000"/>
+          </a:solidFill>
+        </p:spPr>
+        <p:style>
+          <a:lnRef idx="2">
+            <a:schemeClr val="accent1">
+              <a:shade val="15000"/>
+            </a:schemeClr>
+          </a:lnRef>
+          <a:fillRef idx="1">
+            <a:schemeClr val="accent1"/>
+          </a:fillRef>
+          <a:effectRef idx="0">
+            <a:schemeClr val="accent1"/>
+          </a:effectRef>
+          <a:fontRef idx="minor">
+            <a:schemeClr val="lt1"/>
+          </a:fontRef>
+        </p:style>
+        <p:txBody>
+          <a:bodyPr rtlCol="0" anchor="ctr"/>
+          <a:lstStyle/>
+          <a:p>
+            <a:pPr algn="ctr"/>
+            <a:r>
+              <a:rPr lang="fr-FR" dirty="0"/>
+              <a:t>CHANGES !!</a:t>
+            </a:r>
           </a:p>
         </p:txBody>
       </p:sp>
